--- a/outputs/slides/monil_Data-mining.pptx
+++ b/outputs/slides/monil_Data-mining.pptx
@@ -3157,7 +3157,7 @@
               </a:defRPr>
             </a:pPr>
             <a:r>
-              <a:t>Data Mining Definition • Data Mining Process • Data Mining Techniques</a:t>
+              <a:t>Data Mining • Data Science • Data Analysis</a:t>
             </a:r>
           </a:p>
         </p:txBody>
@@ -3257,7 +3257,7 @@
               </a:defRPr>
             </a:pPr>
             <a:r>
-              <a:t>It involves a systematic process of collecting, cleaning, analyzing, and modeling data.</a:t>
+              <a:t>It involves collecting, cleaning, analyzing, and modeling data to uncover patterns.</a:t>
             </a:r>
           </a:p>
           <a:p>
@@ -3272,7 +3272,7 @@
               </a:defRPr>
             </a:pPr>
             <a:r>
-              <a:t>Key techniques include classification, clustering, association rule mining, and regression.</a:t>
+              <a:t>Techniques like classification, clustering, association rule mining, and regression form its foundation.</a:t>
             </a:r>
           </a:p>
           <a:p>
@@ -3288,6 +3288,21 @@
             </a:pPr>
             <a:r>
               <a:t>Applying these techniques drives better decisions, optimizes operations, and provides a competitive edge.</a:t>
+            </a:r>
+          </a:p>
+          <a:p>
+            <a:pPr>
+              <a:spcAft>
+                <a:spcPts val="800"/>
+              </a:spcAft>
+              <a:defRPr sz="2000">
+                <a:solidFill>
+                  <a:srgbClr val="374151"/>
+                </a:solidFill>
+              </a:defRPr>
+            </a:pPr>
+            <a:r>
+              <a:t>The next class will delve deeper into specific data mining algorithms and their applications.</a:t>
             </a:r>
           </a:p>
         </p:txBody>
@@ -3454,7 +3469,7 @@
               </a:defRPr>
             </a:pPr>
             <a:r>
-              <a:t>1. What is Data Mining?</a:t>
+              <a:t>1. Introduction to Data Mining</a:t>
             </a:r>
           </a:p>
           <a:p>
@@ -3469,7 +3484,7 @@
               </a:defRPr>
             </a:pPr>
             <a:r>
-              <a:t>2. The Data Mining Process</a:t>
+              <a:t>2. The Data Mining Process: Collection &amp; Preprocessing</a:t>
             </a:r>
           </a:p>
           <a:p>
@@ -3484,7 +3499,7 @@
               </a:defRPr>
             </a:pPr>
             <a:r>
-              <a:t>3. Core Data Mining Techniques</a:t>
+              <a:t>3. The Data Mining Process: Exploratory Data Analysis (EDA)</a:t>
             </a:r>
           </a:p>
           <a:p>
@@ -3499,7 +3514,7 @@
               </a:defRPr>
             </a:pPr>
             <a:r>
-              <a:t>4. Evaluation, Interpretation, and Deployment</a:t>
+              <a:t>4. Key Data Mining Techniques (Modeling &amp; Mining)</a:t>
             </a:r>
           </a:p>
           <a:p>
@@ -3514,7 +3529,7 @@
               </a:defRPr>
             </a:pPr>
             <a:r>
-              <a:t>5. Real-World Applications of Data Mining</a:t>
+              <a:t>5. Evaluation, Interpretation, and Deployment</a:t>
             </a:r>
           </a:p>
           <a:p>
@@ -3529,7 +3544,7 @@
               </a:defRPr>
             </a:pPr>
             <a:r>
-              <a:t>6. Challenges in Data Mining</a:t>
+              <a:t>6. Real-World Applications and Challenges</a:t>
             </a:r>
           </a:p>
           <a:p>
@@ -3629,7 +3644,7 @@
               </a:defRPr>
             </a:pPr>
             <a:r>
-              <a:t>Data Mining Definition</a:t>
+              <a:t>Data Mining</a:t>
             </a:r>
           </a:p>
           <a:p>
@@ -3644,7 +3659,7 @@
               </a:defRPr>
             </a:pPr>
             <a:r>
-              <a:t>Data Mining Process</a:t>
+              <a:t>Data Science</a:t>
             </a:r>
           </a:p>
           <a:p>
@@ -3659,7 +3674,7 @@
               </a:defRPr>
             </a:pPr>
             <a:r>
-              <a:t>Data Mining Techniques</a:t>
+              <a:t>Data Analysis</a:t>
             </a:r>
           </a:p>
           <a:p>
@@ -3674,7 +3689,7 @@
               </a:defRPr>
             </a:pPr>
             <a:r>
-              <a:t>Real-World Applications</a:t>
+              <a:t>Data Preprocessing</a:t>
             </a:r>
           </a:p>
           <a:p>
@@ -3689,7 +3704,64 @@
               </a:defRPr>
             </a:pPr>
             <a:r>
-              <a:t>Challenges in Data Mining</a:t>
+              <a:t>Exploratory Data Analysis</a:t>
+            </a:r>
+          </a:p>
+          <a:p>
+            <a:pPr>
+              <a:spcAft>
+                <a:spcPts val="800"/>
+              </a:spcAft>
+              <a:defRPr sz="2000">
+                <a:solidFill>
+                  <a:srgbClr val="374151"/>
+                </a:solidFill>
+              </a:defRPr>
+            </a:pPr>
+            <a:r>
+              <a:t>Classification</a:t>
+            </a:r>
+          </a:p>
+          <a:p>
+            <a:pPr>
+              <a:spcAft>
+                <a:spcPts val="800"/>
+              </a:spcAft>
+              <a:defRPr sz="2000">
+                <a:solidFill>
+                  <a:srgbClr val="374151"/>
+                </a:solidFill>
+              </a:defRPr>
+            </a:pPr>
+            <a:r>
+              <a:t>Clustering</a:t>
+            </a:r>
+          </a:p>
+          <a:p>
+            <a:pPr>
+              <a:spcAft>
+                <a:spcPts val="800"/>
+              </a:spcAft>
+              <a:defRPr sz="2000">
+                <a:solidFill>
+                  <a:srgbClr val="374151"/>
+                </a:solidFill>
+              </a:defRPr>
+            </a:pPr>
+            <a:r>
+              <a:t>Association Rule Mining</a:t>
+            </a:r>
+          </a:p>
+          <a:p>
+            <a:pPr>
+              <a:defRPr sz="1400" i="1">
+                <a:solidFill>
+                  <a:srgbClr val="6B7280"/>
+                </a:solidFill>
+              </a:defRPr>
+            </a:pPr>
+            <a:r>
+              <a:t>... and 2 more topics</a:t>
             </a:r>
           </a:p>
         </p:txBody>
@@ -3743,7 +3815,7 @@
               </a:defRPr>
             </a:pPr>
             <a:r>
-              <a:t>What is Data Mining?</a:t>
+              <a:t>Introduction to Data Mining</a:t>
             </a:r>
           </a:p>
         </p:txBody>
@@ -3774,7 +3846,7 @@
               </a:defRPr>
             </a:pPr>
             <a:r>
-              <a:t>Data mining extracts useful information, patterns, and trends from large datasets.</a:t>
+              <a:t>Welcome and overview of the lecture on data mining.</a:t>
             </a:r>
           </a:p>
           <a:p>
@@ -3789,7 +3861,7 @@
               </a:defRPr>
             </a:pPr>
             <a:r>
-              <a:t>Datasets originate from various sources like structured databases, unstructured text, images, or real-time streams.</a:t>
+              <a:t>Data mining is the process of extracting useful information, patterns, and trends from large datasets.</a:t>
             </a:r>
           </a:p>
           <a:p>
@@ -3804,7 +3876,7 @@
               </a:defRPr>
             </a:pPr>
             <a:r>
-              <a:t>The goal is to discover non-obvious patterns for informed decisions and future predictions.</a:t>
+              <a:t>The primary goal is to discover non-obvious patterns for informed decisions and predictions.</a:t>
             </a:r>
           </a:p>
           <a:p>
@@ -3819,7 +3891,7 @@
               </a:defRPr>
             </a:pPr>
             <a:r>
-              <a:t>It uncovers hidden relationships that are impossible or too time-consuming to identify manually.</a:t>
+              <a:t>It uncovers hidden relationships that would be impossible or time-consuming to identify manually.</a:t>
             </a:r>
           </a:p>
         </p:txBody>
@@ -3873,7 +3945,7 @@
               </a:defRPr>
             </a:pPr>
             <a:r>
-              <a:t>The Data Mining Process</a:t>
+              <a:t>The Data Mining Process: Collection &amp; Preprocessing</a:t>
             </a:r>
           </a:p>
         </p:txBody>
@@ -3904,7 +3976,7 @@
               </a:defRPr>
             </a:pPr>
             <a:r>
-              <a:t>A multi-step process involving data collection, preprocessing, analysis, and interpretation.</a:t>
+              <a:t>Data mining is a multi-step process involving several stages.</a:t>
             </a:r>
           </a:p>
           <a:p>
@@ -3919,7 +3991,7 @@
               </a:defRPr>
             </a:pPr>
             <a:r>
-              <a:t>Data Collection: Gathering data from diverse sources like transaction logs, sensors, and social media.</a:t>
+              <a:t>Data collection gathers information from various sources like transaction logs, sensor data, and social media.</a:t>
             </a:r>
           </a:p>
           <a:p>
@@ -3934,7 +4006,7 @@
               </a:defRPr>
             </a:pPr>
             <a:r>
-              <a:t>Data Preprocessing: Cleaning raw, messy data by filling missing values, removing duplicates, and standardizing units.</a:t>
+              <a:t>A key challenge is handling the vast amounts of data generated and ensuring efficient storage.</a:t>
             </a:r>
           </a:p>
           <a:p>
@@ -3949,7 +4021,7 @@
               </a:defRPr>
             </a:pPr>
             <a:r>
-              <a:t>Exploratory Data Analysis (EDA): Visually and statistically analyzing data using tools like histograms and scatter plots...</a:t>
+              <a:t>Data preprocessing cleans raw, messy data that may be incomplete, inconsistent, or contain errors.</a:t>
             </a:r>
           </a:p>
           <a:p>
@@ -3964,7 +4036,7 @@
               </a:defRPr>
             </a:pPr>
             <a:r>
-              <a:t>EDA helps form hypotheses and identify patterns or anomalies, guiding algorithm selection.</a:t>
+              <a:t>Tasks include filling missing values, removing duplicates, standardizing units, and normalizing data.</a:t>
             </a:r>
           </a:p>
         </p:txBody>
@@ -4018,7 +4090,7 @@
               </a:defRPr>
             </a:pPr>
             <a:r>
-              <a:t>Core Data Mining Techniques</a:t>
+              <a:t>The Data Mining Process: Exploratory Data Analysis (EDA)</a:t>
             </a:r>
           </a:p>
         </p:txBody>
@@ -4049,7 +4121,7 @@
               </a:defRPr>
             </a:pPr>
             <a:r>
-              <a:t>Modeling and Mining: Applying algorithms to uncover patterns and relationships in the data.</a:t>
+              <a:t>EDA involves visually and statistically analyzing the data to gain an understanding of its structure.</a:t>
             </a:r>
           </a:p>
           <a:p>
@@ -4064,7 +4136,7 @@
               </a:defRPr>
             </a:pPr>
             <a:r>
-              <a:t>Classification: Assigning data to predefined categories (e.g., email spam filters).</a:t>
+              <a:t>Tools like histograms, scatter plots, and heatmaps are used for data visualization.</a:t>
             </a:r>
           </a:p>
           <a:p>
@@ -4079,37 +4151,7 @@
               </a:defRPr>
             </a:pPr>
             <a:r>
-              <a:t>Clustering: Grouping similar data points without prior knowledge (e.g., customer segmentation).</a:t>
-            </a:r>
-          </a:p>
-          <a:p>
-            <a:pPr>
-              <a:spcAft>
-                <a:spcPts val="800"/>
-              </a:spcAft>
-              <a:defRPr sz="2000">
-                <a:solidFill>
-                  <a:srgbClr val="374151"/>
-                </a:solidFill>
-              </a:defRPr>
-            </a:pPr>
-            <a:r>
-              <a:t>Association Rule Mining: Identifying relationships between variables (e.g., market basket analysis for product recommend...</a:t>
-            </a:r>
-          </a:p>
-          <a:p>
-            <a:pPr>
-              <a:spcAft>
-                <a:spcPts val="800"/>
-              </a:spcAft>
-              <a:defRPr sz="2000">
-                <a:solidFill>
-                  <a:srgbClr val="374151"/>
-                </a:solidFill>
-              </a:defRPr>
-            </a:pPr>
-            <a:r>
-              <a:t>Regression: Predicting continuous values based on input variables (e.g., predicting house prices).</a:t>
+              <a:t>It helps form hypotheses, identify patterns or anomalies, and choose appropriate data mining algorithms.</a:t>
             </a:r>
           </a:p>
         </p:txBody>
@@ -4163,7 +4205,7 @@
               </a:defRPr>
             </a:pPr>
             <a:r>
-              <a:t>Evaluation, Interpretation, and Deployment</a:t>
+              <a:t>Key Data Mining Techniques (Modeling &amp; Mining)</a:t>
             </a:r>
           </a:p>
         </p:txBody>
@@ -4194,7 +4236,7 @@
               </a:defRPr>
             </a:pPr>
             <a:r>
-              <a:t>Evaluation: Assessing the quality and usefulness of results using metrics like accuracy, precision, or R-squared.</a:t>
+              <a:t>This step involves applying algorithms to the data to uncover patterns and relationships.</a:t>
             </a:r>
           </a:p>
           <a:p>
@@ -4209,7 +4251,7 @@
               </a:defRPr>
             </a:pPr>
             <a:r>
-              <a:t>Refinement: Revisiting earlier stages if the model's performance is unsatisfactory.</a:t>
+              <a:t>Classification assigns data to predefined categories, such as spam filtering in emails.</a:t>
             </a:r>
           </a:p>
           <a:p>
@@ -4224,7 +4266,7 @@
               </a:defRPr>
             </a:pPr>
             <a:r>
-              <a:t>Deployment: Implementing insights into real-world applications to improve processes or automate decisions.</a:t>
+              <a:t>Clustering groups similar data points together without prior knowledge, like customer segmentation.</a:t>
             </a:r>
           </a:p>
           <a:p>
@@ -4239,7 +4281,22 @@
               </a:defRPr>
             </a:pPr>
             <a:r>
-              <a:t>Examples include personalized marketing ads or prioritizing healthcare for high-risk patients.</a:t>
+              <a:t>Association rule mining identifies relationships between different variables, exemplified by market basket analysis.</a:t>
+            </a:r>
+          </a:p>
+          <a:p>
+            <a:pPr>
+              <a:spcAft>
+                <a:spcPts val="800"/>
+              </a:spcAft>
+              <a:defRPr sz="2000">
+                <a:solidFill>
+                  <a:srgbClr val="374151"/>
+                </a:solidFill>
+              </a:defRPr>
+            </a:pPr>
+            <a:r>
+              <a:t>Regression predicts continuous values based on input variables, such as predicting house prices.</a:t>
             </a:r>
           </a:p>
         </p:txBody>
@@ -4293,7 +4350,7 @@
               </a:defRPr>
             </a:pPr>
             <a:r>
-              <a:t>Real-World Applications of Data Mining</a:t>
+              <a:t>Evaluation, Interpretation, and Deployment</a:t>
             </a:r>
           </a:p>
         </p:txBody>
@@ -4324,7 +4381,7 @@
               </a:defRPr>
             </a:pPr>
             <a:r>
-              <a:t>Healthcare: Identifying disease outbreaks and predicting patient readmissions to improve care.</a:t>
+              <a:t>Assess the quality and usefulness of the identified patterns and relationships.</a:t>
             </a:r>
           </a:p>
           <a:p>
@@ -4339,7 +4396,7 @@
               </a:defRPr>
             </a:pPr>
             <a:r>
-              <a:t>Finance: Detecting fraudulent activities by analyzing historical transaction patterns.</a:t>
+              <a:t>Various metrics like accuracy, precision, recall, F1 score, or R-squared are used to evaluate model effectiveness.</a:t>
             </a:r>
           </a:p>
           <a:p>
@@ -4354,7 +4411,22 @@
               </a:defRPr>
             </a:pPr>
             <a:r>
-              <a:t>Retail: Optimizing inventory and forecasting demand to ensure product availability.</a:t>
+              <a:t>Refine the approach by revisiting earlier stages if model performance is insufficient.</a:t>
+            </a:r>
+          </a:p>
+          <a:p>
+            <a:pPr>
+              <a:spcAft>
+                <a:spcPts val="800"/>
+              </a:spcAft>
+              <a:defRPr sz="2000">
+                <a:solidFill>
+                  <a:srgbClr val="374151"/>
+                </a:solidFill>
+              </a:defRPr>
+            </a:pPr>
+            <a:r>
+              <a:t>Deploy insights into real-world applications to improve business processes or automate decisions.</a:t>
             </a:r>
           </a:p>
         </p:txBody>
@@ -4408,7 +4480,7 @@
               </a:defRPr>
             </a:pPr>
             <a:r>
-              <a:t>Challenges in Data Mining</a:t>
+              <a:t>Real-World Applications and Challenges</a:t>
             </a:r>
           </a:p>
         </p:txBody>
@@ -4439,7 +4511,7 @@
               </a:defRPr>
             </a:pPr>
             <a:r>
-              <a:t>Data Quality: Ensuring data is not noisy, incomplete, or biased to avoid inaccurate insights.</a:t>
+              <a:t>Applications include healthcare (disease outbreaks, patient readmissions) and finance (fraud detection).</a:t>
             </a:r>
           </a:p>
           <a:p>
@@ -4454,7 +4526,7 @@
               </a:defRPr>
             </a:pPr>
             <a:r>
-              <a:t>Privacy and Ethical Concerns: Handling vast amounts of personal and sensitive data responsibly.</a:t>
+              <a:t>Retail uses data mining for inventory optimization and demand forecasting.</a:t>
             </a:r>
           </a:p>
           <a:p>
@@ -4469,7 +4541,22 @@
               </a:defRPr>
             </a:pPr>
             <a:r>
-              <a:t>Compliance: Adhering to regulations like GDPR and CCPA through anonymization and encryption.</a:t>
+              <a:t>A major challenge is ensuring data quality, as noisy or biased data can lead to inaccurate insights.</a:t>
+            </a:r>
+          </a:p>
+          <a:p>
+            <a:pPr>
+              <a:spcAft>
+                <a:spcPts val="800"/>
+              </a:spcAft>
+              <a:defRPr sz="2000">
+                <a:solidFill>
+                  <a:srgbClr val="374151"/>
+                </a:solidFill>
+              </a:defRPr>
+            </a:pPr>
+            <a:r>
+              <a:t>Addressing privacy and ethical concerns (e.g., GDPR, CCPA) through anonymization and careful data handling is crucial.</a:t>
             </a:r>
           </a:p>
         </p:txBody>
